--- a/운영체제/1w/1주.pptx
+++ b/운영체제/1w/1주.pptx
@@ -14,9 +14,10 @@
     <p:sldId id="264" r:id="rId8"/>
     <p:sldId id="266" r:id="rId9"/>
     <p:sldId id="268" r:id="rId10"/>
-    <p:sldId id="267" r:id="rId11"/>
-    <p:sldId id="269" r:id="rId12"/>
-    <p:sldId id="270" r:id="rId13"/>
+    <p:sldId id="269" r:id="rId11"/>
+    <p:sldId id="271" r:id="rId12"/>
+    <p:sldId id="272" r:id="rId13"/>
+    <p:sldId id="270" r:id="rId14"/>
   </p:sldIdLst>
   <p:sldSz cx="12192000" cy="6858000"/>
   <p:notesSz cx="6858000" cy="9144000"/>
@@ -270,7 +271,7 @@
           <a:p>
             <a:fld id="{985AB57D-2A49-4783-ACF5-E89BFF76D73C}" type="datetimeFigureOut">
               <a:rPr lang="ko-KR" altLang="en-US" smtClean="0"/>
-              <a:t>2024-03-11</a:t>
+              <a:t>2024-03-13</a:t>
             </a:fld>
             <a:endParaRPr lang="ko-KR" altLang="en-US"/>
           </a:p>
@@ -468,7 +469,7 @@
           <a:p>
             <a:fld id="{985AB57D-2A49-4783-ACF5-E89BFF76D73C}" type="datetimeFigureOut">
               <a:rPr lang="ko-KR" altLang="en-US" smtClean="0"/>
-              <a:t>2024-03-11</a:t>
+              <a:t>2024-03-13</a:t>
             </a:fld>
             <a:endParaRPr lang="ko-KR" altLang="en-US"/>
           </a:p>
@@ -676,7 +677,7 @@
           <a:p>
             <a:fld id="{985AB57D-2A49-4783-ACF5-E89BFF76D73C}" type="datetimeFigureOut">
               <a:rPr lang="ko-KR" altLang="en-US" smtClean="0"/>
-              <a:t>2024-03-11</a:t>
+              <a:t>2024-03-13</a:t>
             </a:fld>
             <a:endParaRPr lang="ko-KR" altLang="en-US"/>
           </a:p>
@@ -874,7 +875,7 @@
           <a:p>
             <a:fld id="{985AB57D-2A49-4783-ACF5-E89BFF76D73C}" type="datetimeFigureOut">
               <a:rPr lang="ko-KR" altLang="en-US" smtClean="0"/>
-              <a:t>2024-03-11</a:t>
+              <a:t>2024-03-13</a:t>
             </a:fld>
             <a:endParaRPr lang="ko-KR" altLang="en-US"/>
           </a:p>
@@ -1149,7 +1150,7 @@
           <a:p>
             <a:fld id="{985AB57D-2A49-4783-ACF5-E89BFF76D73C}" type="datetimeFigureOut">
               <a:rPr lang="ko-KR" altLang="en-US" smtClean="0"/>
-              <a:t>2024-03-11</a:t>
+              <a:t>2024-03-13</a:t>
             </a:fld>
             <a:endParaRPr lang="ko-KR" altLang="en-US"/>
           </a:p>
@@ -1414,7 +1415,7 @@
           <a:p>
             <a:fld id="{985AB57D-2A49-4783-ACF5-E89BFF76D73C}" type="datetimeFigureOut">
               <a:rPr lang="ko-KR" altLang="en-US" smtClean="0"/>
-              <a:t>2024-03-11</a:t>
+              <a:t>2024-03-13</a:t>
             </a:fld>
             <a:endParaRPr lang="ko-KR" altLang="en-US"/>
           </a:p>
@@ -1826,7 +1827,7 @@
           <a:p>
             <a:fld id="{985AB57D-2A49-4783-ACF5-E89BFF76D73C}" type="datetimeFigureOut">
               <a:rPr lang="ko-KR" altLang="en-US" smtClean="0"/>
-              <a:t>2024-03-11</a:t>
+              <a:t>2024-03-13</a:t>
             </a:fld>
             <a:endParaRPr lang="ko-KR" altLang="en-US"/>
           </a:p>
@@ -1967,7 +1968,7 @@
           <a:p>
             <a:fld id="{985AB57D-2A49-4783-ACF5-E89BFF76D73C}" type="datetimeFigureOut">
               <a:rPr lang="ko-KR" altLang="en-US" smtClean="0"/>
-              <a:t>2024-03-11</a:t>
+              <a:t>2024-03-13</a:t>
             </a:fld>
             <a:endParaRPr lang="ko-KR" altLang="en-US"/>
           </a:p>
@@ -2080,7 +2081,7 @@
           <a:p>
             <a:fld id="{985AB57D-2A49-4783-ACF5-E89BFF76D73C}" type="datetimeFigureOut">
               <a:rPr lang="ko-KR" altLang="en-US" smtClean="0"/>
-              <a:t>2024-03-11</a:t>
+              <a:t>2024-03-13</a:t>
             </a:fld>
             <a:endParaRPr lang="ko-KR" altLang="en-US"/>
           </a:p>
@@ -2391,7 +2392,7 @@
           <a:p>
             <a:fld id="{985AB57D-2A49-4783-ACF5-E89BFF76D73C}" type="datetimeFigureOut">
               <a:rPr lang="ko-KR" altLang="en-US" smtClean="0"/>
-              <a:t>2024-03-11</a:t>
+              <a:t>2024-03-13</a:t>
             </a:fld>
             <a:endParaRPr lang="ko-KR" altLang="en-US"/>
           </a:p>
@@ -2679,7 +2680,7 @@
           <a:p>
             <a:fld id="{985AB57D-2A49-4783-ACF5-E89BFF76D73C}" type="datetimeFigureOut">
               <a:rPr lang="ko-KR" altLang="en-US" smtClean="0"/>
-              <a:t>2024-03-11</a:t>
+              <a:t>2024-03-13</a:t>
             </a:fld>
             <a:endParaRPr lang="ko-KR" altLang="en-US"/>
           </a:p>
@@ -2920,7 +2921,7 @@
           <a:p>
             <a:fld id="{985AB57D-2A49-4783-ACF5-E89BFF76D73C}" type="datetimeFigureOut">
               <a:rPr lang="ko-KR" altLang="en-US" smtClean="0"/>
-              <a:t>2024-03-11</a:t>
+              <a:t>2024-03-13</a:t>
             </a:fld>
             <a:endParaRPr lang="ko-KR" altLang="en-US"/>
           </a:p>
@@ -3606,6 +3607,36 @@
       </p:grpSpPr>
       <p:pic>
         <p:nvPicPr>
+          <p:cNvPr id="23" name="그림 22">
+            <a:extLst>
+              <a:ext uri="{FF2B5EF4-FFF2-40B4-BE49-F238E27FC236}">
+                <a16:creationId xmlns:a16="http://schemas.microsoft.com/office/drawing/2014/main" id="{0CA8771C-1158-1AED-E312-07EAAD1B9C56}"/>
+              </a:ext>
+            </a:extLst>
+          </p:cNvPr>
+          <p:cNvPicPr>
+            <a:picLocks noChangeAspect="1"/>
+          </p:cNvPicPr>
+          <p:nvPr/>
+        </p:nvPicPr>
+        <p:blipFill>
+          <a:blip r:embed="rId2"/>
+          <a:stretch>
+            <a:fillRect/>
+          </a:stretch>
+        </p:blipFill>
+        <p:spPr>
+          <a:xfrm>
+            <a:off x="539189" y="2748680"/>
+            <a:ext cx="8392696" cy="3734321"/>
+          </a:xfrm>
+          <a:prstGeom prst="rect">
+            <a:avLst/>
+          </a:prstGeom>
+        </p:spPr>
+      </p:pic>
+      <p:pic>
+        <p:nvPicPr>
           <p:cNvPr id="1030" name="Picture 6">
             <a:extLst>
               <a:ext uri="{FF2B5EF4-FFF2-40B4-BE49-F238E27FC236}">
@@ -3619,7 +3650,7 @@
           <p:nvPr/>
         </p:nvPicPr>
         <p:blipFill>
-          <a:blip r:embed="rId2">
+          <a:blip r:embed="rId3">
             <a:extLst>
               <a:ext uri="{28A0092B-C50C-407E-A947-70E740481C1C}">
                 <a14:useLocalDpi xmlns:a14="http://schemas.microsoft.com/office/drawing/2010/main" val="0"/>
@@ -3668,7 +3699,7 @@
         <p:spPr>
           <a:xfrm>
             <a:off x="244549" y="693108"/>
-            <a:ext cx="11695814" cy="0"/>
+            <a:ext cx="11273547" cy="0"/>
           </a:xfrm>
           <a:prstGeom prst="line">
             <a:avLst/>
@@ -3712,7 +3743,7 @@
         <p:spPr>
           <a:xfrm>
             <a:off x="2536025" y="172575"/>
-            <a:ext cx="5500535" cy="400110"/>
+            <a:ext cx="3944679" cy="400110"/>
           </a:xfrm>
           <a:prstGeom prst="rect">
             <a:avLst/>
@@ -3734,29 +3765,7 @@
                   </a:schemeClr>
                 </a:solidFill>
               </a:rPr>
-              <a:t>의미 있는 프로그램 </a:t>
-            </a:r>
-            <a:r>
-              <a:rPr lang="en-US" altLang="ko-KR" sz="2000">
-                <a:solidFill>
-                  <a:schemeClr val="tx2">
-                    <a:lumMod val="75000"/>
-                    <a:lumOff val="25000"/>
-                  </a:schemeClr>
-                </a:solidFill>
-              </a:rPr>
-              <a:t>- floyd </a:t>
-            </a:r>
-            <a:r>
-              <a:rPr lang="ko-KR" altLang="en-US" sz="2000">
-                <a:solidFill>
-                  <a:schemeClr val="tx2">
-                    <a:lumMod val="75000"/>
-                    <a:lumOff val="25000"/>
-                  </a:schemeClr>
-                </a:solidFill>
-              </a:rPr>
-              <a:t>알고리즘</a:t>
+              <a:t>의미 있는 프로그램</a:t>
             </a:r>
           </a:p>
         </p:txBody>
@@ -3807,12 +3816,109 @@
           </a:fontRef>
         </p:style>
       </p:cxnSp>
+      <p:sp>
+        <p:nvSpPr>
+          <p:cNvPr id="16" name="TextBox 15">
+            <a:extLst>
+              <a:ext uri="{FF2B5EF4-FFF2-40B4-BE49-F238E27FC236}">
+                <a16:creationId xmlns:a16="http://schemas.microsoft.com/office/drawing/2014/main" id="{212B96E3-6103-4DF3-12E8-7CF3D58BDAE8}"/>
+              </a:ext>
+            </a:extLst>
+          </p:cNvPr>
+          <p:cNvSpPr txBox="1"/>
+          <p:nvPr/>
+        </p:nvSpPr>
+        <p:spPr>
+          <a:xfrm>
+            <a:off x="3506364" y="902732"/>
+            <a:ext cx="7383753" cy="1754326"/>
+          </a:xfrm>
+          <a:prstGeom prst="rect">
+            <a:avLst/>
+          </a:prstGeom>
+          <a:noFill/>
+        </p:spPr>
+        <p:txBody>
+          <a:bodyPr wrap="none" rtlCol="0">
+            <a:spAutoFit/>
+          </a:bodyPr>
+          <a:lstStyle/>
+          <a:p>
+            <a:r>
+              <a:rPr lang="ko-KR" altLang="en-US"/>
+              <a:t>의미 있는 프로그램으로 최소 히프를 활용한 </a:t>
+            </a:r>
+            <a:r>
+              <a:rPr lang="en-US" altLang="ko-KR"/>
+              <a:t>lpt </a:t>
+            </a:r>
+            <a:r>
+              <a:rPr lang="ko-KR" altLang="en-US"/>
+              <a:t>프로그램을 작성</a:t>
+            </a:r>
+            <a:r>
+              <a:rPr lang="en-US" altLang="ko-KR"/>
+              <a:t>.</a:t>
+            </a:r>
+          </a:p>
+          <a:p>
+            <a:endParaRPr lang="en-US" altLang="ko-KR"/>
+          </a:p>
+          <a:p>
+            <a:r>
+              <a:rPr lang="ko-KR" altLang="en-US"/>
+              <a:t>작성한 </a:t>
+            </a:r>
+            <a:r>
+              <a:rPr lang="en-US" altLang="ko-KR"/>
+              <a:t>lpt.c </a:t>
+            </a:r>
+            <a:r>
+              <a:rPr lang="ko-KR" altLang="en-US"/>
+              <a:t>를 컴파일 하여 </a:t>
+            </a:r>
+            <a:r>
+              <a:rPr lang="en-US" altLang="ko-KR"/>
+              <a:t>lpt </a:t>
+            </a:r>
+            <a:r>
+              <a:rPr lang="ko-KR" altLang="en-US"/>
+              <a:t>파일을 생성한다</a:t>
+            </a:r>
+            <a:endParaRPr lang="en-US" altLang="ko-KR"/>
+          </a:p>
+          <a:p>
+            <a:endParaRPr lang="en-US" altLang="ko-KR"/>
+          </a:p>
+          <a:p>
+            <a:r>
+              <a:rPr lang="en-US" altLang="ko-KR"/>
+              <a:t>LPT</a:t>
+            </a:r>
+            <a:r>
+              <a:rPr lang="ko-KR" altLang="en-US"/>
+              <a:t>란</a:t>
+            </a:r>
+            <a:r>
+              <a:rPr lang="en-US" altLang="ko-KR"/>
+              <a:t>? Longest Processing time First</a:t>
+            </a:r>
+          </a:p>
+          <a:p>
+            <a:r>
+              <a:rPr lang="ko-KR" altLang="en-US"/>
+              <a:t>머신 스케쥴링 에서 가장 긴 작업을 우선적으로 기계에 할당하는 방법</a:t>
+            </a:r>
+            <a:endParaRPr lang="en-US" altLang="ko-KR"/>
+          </a:p>
+        </p:txBody>
+      </p:sp>
       <p:pic>
         <p:nvPicPr>
-          <p:cNvPr id="9" name="그림 8">
-            <a:extLst>
-              <a:ext uri="{FF2B5EF4-FFF2-40B4-BE49-F238E27FC236}">
-                <a16:creationId xmlns:a16="http://schemas.microsoft.com/office/drawing/2014/main" id="{521964F9-2ABC-1B41-7F32-1AD92CEFC75B}"/>
+          <p:cNvPr id="18" name="그림 17">
+            <a:extLst>
+              <a:ext uri="{FF2B5EF4-FFF2-40B4-BE49-F238E27FC236}">
+                <a16:creationId xmlns:a16="http://schemas.microsoft.com/office/drawing/2014/main" id="{255C2B5B-B846-027B-B55C-A22D1335F0E9}"/>
               </a:ext>
             </a:extLst>
           </p:cNvPr>
@@ -3822,15 +3928,15 @@
           <p:nvPr/>
         </p:nvPicPr>
         <p:blipFill>
-          <a:blip r:embed="rId3"/>
+          <a:blip r:embed="rId4"/>
           <a:stretch>
             <a:fillRect/>
           </a:stretch>
         </p:blipFill>
         <p:spPr>
           <a:xfrm>
-            <a:off x="1132059" y="2667175"/>
-            <a:ext cx="2235675" cy="3910482"/>
+            <a:off x="539189" y="901686"/>
+            <a:ext cx="2655524" cy="878205"/>
           </a:xfrm>
           <a:prstGeom prst="rect">
             <a:avLst/>
@@ -3839,277 +3945,137 @@
       </p:pic>
       <p:sp>
         <p:nvSpPr>
-          <p:cNvPr id="14" name="TextBox 13">
-            <a:extLst>
-              <a:ext uri="{FF2B5EF4-FFF2-40B4-BE49-F238E27FC236}">
-                <a16:creationId xmlns:a16="http://schemas.microsoft.com/office/drawing/2014/main" id="{09333788-F858-B95C-59EB-84B20E003F32}"/>
-              </a:ext>
-            </a:extLst>
-          </p:cNvPr>
-          <p:cNvSpPr txBox="1"/>
-          <p:nvPr/>
-        </p:nvSpPr>
-        <p:spPr>
-          <a:xfrm>
-            <a:off x="3826190" y="867588"/>
-            <a:ext cx="7095810" cy="1477328"/>
+          <p:cNvPr id="21" name="직사각형 20">
+            <a:extLst>
+              <a:ext uri="{FF2B5EF4-FFF2-40B4-BE49-F238E27FC236}">
+                <a16:creationId xmlns:a16="http://schemas.microsoft.com/office/drawing/2014/main" id="{3EB2E253-2874-8EAF-6457-59431454BFBB}"/>
+              </a:ext>
+            </a:extLst>
+          </p:cNvPr>
+          <p:cNvSpPr/>
+          <p:nvPr/>
+        </p:nvSpPr>
+        <p:spPr>
+          <a:xfrm>
+            <a:off x="5577840" y="4669392"/>
+            <a:ext cx="6614160" cy="1495496"/>
           </a:xfrm>
           <a:prstGeom prst="rect">
             <a:avLst/>
           </a:prstGeom>
-          <a:noFill/>
-        </p:spPr>
-        <p:txBody>
-          <a:bodyPr wrap="square" rtlCol="0">
-            <a:spAutoFit/>
-          </a:bodyPr>
-          <a:lstStyle/>
-          <a:p>
-            <a:r>
-              <a:rPr lang="ko-KR" altLang="en-US"/>
-              <a:t>의미 있는 프로그램으로 자료구조 시간에 배웠던 최단거리 </a:t>
-            </a:r>
-            <a:r>
-              <a:rPr lang="en-US" altLang="ko-KR"/>
-              <a:t>floyd </a:t>
-            </a:r>
-            <a:br>
-              <a:rPr lang="en-US" altLang="ko-KR"/>
-            </a:br>
-            <a:r>
-              <a:rPr lang="ko-KR" altLang="en-US"/>
-              <a:t>알고리즘을 작성</a:t>
-            </a:r>
-            <a:r>
-              <a:rPr lang="en-US" altLang="ko-KR"/>
-              <a:t>. </a:t>
-            </a:r>
-          </a:p>
-          <a:p>
-            <a:endParaRPr lang="en-US" altLang="ko-KR"/>
-          </a:p>
-          <a:p>
-            <a:r>
-              <a:rPr lang="ko-KR" altLang="en-US"/>
-              <a:t>이전과 동일하게 </a:t>
-            </a:r>
-            <a:r>
-              <a:rPr lang="en-US" altLang="ko-KR"/>
-              <a:t>c </a:t>
-            </a:r>
-            <a:r>
-              <a:rPr lang="ko-KR" altLang="en-US"/>
-              <a:t>파일을 생성 후 작성하고 컴파일 과정을 거친다</a:t>
-            </a:r>
-            <a:endParaRPr lang="en-US" altLang="ko-KR"/>
-          </a:p>
-          <a:p>
-            <a:r>
-              <a:rPr lang="en-US" altLang="ko-KR"/>
-              <a:t>(</a:t>
-            </a:r>
-            <a:r>
-              <a:rPr lang="ko-KR" altLang="en-US"/>
-              <a:t>코드는 다음장에</a:t>
-            </a:r>
-            <a:r>
-              <a:rPr lang="en-US" altLang="ko-KR"/>
-              <a:t>.)</a:t>
-            </a:r>
-          </a:p>
-        </p:txBody>
-      </p:sp>
-      <p:grpSp>
-        <p:nvGrpSpPr>
-          <p:cNvPr id="16" name="그룹 15">
-            <a:extLst>
-              <a:ext uri="{FF2B5EF4-FFF2-40B4-BE49-F238E27FC236}">
-                <a16:creationId xmlns:a16="http://schemas.microsoft.com/office/drawing/2014/main" id="{C85EE3EB-B6F6-67A4-5F5F-AD0AF8FFA45C}"/>
-              </a:ext>
-            </a:extLst>
-          </p:cNvPr>
-          <p:cNvGrpSpPr/>
-          <p:nvPr/>
-        </p:nvGrpSpPr>
-        <p:grpSpPr>
-          <a:xfrm>
-            <a:off x="414572" y="871795"/>
-            <a:ext cx="2953162" cy="1028844"/>
-            <a:chOff x="414572" y="871795"/>
-            <a:chExt cx="2953162" cy="1028844"/>
-          </a:xfrm>
-        </p:grpSpPr>
-        <p:pic>
-          <p:nvPicPr>
-            <p:cNvPr id="13" name="그림 12">
-              <a:extLst>
-                <a:ext uri="{FF2B5EF4-FFF2-40B4-BE49-F238E27FC236}">
-                  <a16:creationId xmlns:a16="http://schemas.microsoft.com/office/drawing/2014/main" id="{7D6CA17A-A900-3DB1-96AA-FE0A9B40B23B}"/>
-                </a:ext>
-              </a:extLst>
-            </p:cNvPr>
-            <p:cNvPicPr>
-              <a:picLocks noChangeAspect="1"/>
-            </p:cNvPicPr>
-            <p:nvPr/>
-          </p:nvPicPr>
-          <p:blipFill>
-            <a:blip r:embed="rId4"/>
-            <a:stretch>
-              <a:fillRect/>
-            </a:stretch>
-          </p:blipFill>
-          <p:spPr>
-            <a:xfrm>
-              <a:off x="414572" y="871795"/>
-              <a:ext cx="2953162" cy="1028844"/>
-            </a:xfrm>
-            <a:prstGeom prst="rect">
-              <a:avLst/>
-            </a:prstGeom>
-          </p:spPr>
-        </p:pic>
-        <p:pic>
-          <p:nvPicPr>
-            <p:cNvPr id="15" name="그림 14">
-              <a:extLst>
-                <a:ext uri="{FF2B5EF4-FFF2-40B4-BE49-F238E27FC236}">
-                  <a16:creationId xmlns:a16="http://schemas.microsoft.com/office/drawing/2014/main" id="{FAC6AF1D-E187-1BF4-5C19-81A3F536B749}"/>
-                </a:ext>
-              </a:extLst>
-            </p:cNvPr>
-            <p:cNvPicPr>
-              <a:picLocks noChangeAspect="1"/>
-            </p:cNvPicPr>
-            <p:nvPr/>
-          </p:nvPicPr>
-          <p:blipFill rotWithShape="1">
-            <a:blip r:embed="rId3"/>
-            <a:srcRect l="79397" t="7711" r="1494" b="82256"/>
-            <a:stretch/>
-          </p:blipFill>
-          <p:spPr>
-            <a:xfrm>
-              <a:off x="2766868" y="987496"/>
-              <a:ext cx="497840" cy="457200"/>
-            </a:xfrm>
-            <a:prstGeom prst="rect">
-              <a:avLst/>
-            </a:prstGeom>
-          </p:spPr>
-        </p:pic>
-      </p:grpSp>
-      <p:sp>
-        <p:nvSpPr>
-          <p:cNvPr id="19" name="TextBox 18">
-            <a:extLst>
-              <a:ext uri="{FF2B5EF4-FFF2-40B4-BE49-F238E27FC236}">
-                <a16:creationId xmlns:a16="http://schemas.microsoft.com/office/drawing/2014/main" id="{8113DBB3-0760-B9A1-0D99-524A36A930F7}"/>
-              </a:ext>
-            </a:extLst>
-          </p:cNvPr>
-          <p:cNvSpPr txBox="1"/>
-          <p:nvPr/>
-        </p:nvSpPr>
-        <p:spPr>
-          <a:xfrm>
-            <a:off x="3826190" y="2939176"/>
-            <a:ext cx="7014530" cy="646331"/>
-          </a:xfrm>
-          <a:prstGeom prst="rect">
-            <a:avLst/>
-          </a:prstGeom>
-          <a:noFill/>
-        </p:spPr>
-        <p:txBody>
-          <a:bodyPr wrap="square" rtlCol="0">
-            <a:spAutoFit/>
-          </a:bodyPr>
-          <a:lstStyle/>
-          <a:p>
-            <a:r>
-              <a:rPr lang="en-US" altLang="ko-KR"/>
-              <a:t>floyd </a:t>
-            </a:r>
-            <a:r>
-              <a:rPr lang="ko-KR" altLang="en-US"/>
-              <a:t>알고리즘의 실행 결과</a:t>
-            </a:r>
-            <a:r>
-              <a:rPr lang="en-US" altLang="ko-KR"/>
-              <a:t>. </a:t>
-            </a:r>
-            <a:br>
-              <a:rPr lang="en-US" altLang="ko-KR"/>
-            </a:br>
-            <a:r>
-              <a:rPr lang="ko-KR" altLang="en-US"/>
-              <a:t>그래프의 최단 경로를 찾는 과정</a:t>
-            </a:r>
-            <a:r>
-              <a:rPr lang="en-US" altLang="ko-KR"/>
-              <a:t>, </a:t>
-            </a:r>
-            <a:r>
-              <a:rPr lang="ko-KR" altLang="en-US"/>
-              <a:t>각 단계를 출력</a:t>
-            </a:r>
-            <a:r>
-              <a:rPr lang="en-US" altLang="ko-KR"/>
-              <a:t>. </a:t>
-            </a:r>
-          </a:p>
-        </p:txBody>
-      </p:sp>
-      <p:cxnSp>
-        <p:nvCxnSpPr>
-          <p:cNvPr id="20" name="직선 연결선 19">
-            <a:extLst>
-              <a:ext uri="{FF2B5EF4-FFF2-40B4-BE49-F238E27FC236}">
-                <a16:creationId xmlns:a16="http://schemas.microsoft.com/office/drawing/2014/main" id="{34E4E1C1-226C-B30D-8C99-1481BCD0E8AA}"/>
-              </a:ext>
-            </a:extLst>
-          </p:cNvPr>
-          <p:cNvCxnSpPr/>
-          <p:nvPr/>
-        </p:nvCxnSpPr>
-        <p:spPr>
-          <a:xfrm>
-            <a:off x="414572" y="2506045"/>
-            <a:ext cx="10932160" cy="0"/>
-          </a:xfrm>
-          <a:prstGeom prst="line">
-            <a:avLst/>
-          </a:prstGeom>
-          <a:ln w="12700" cap="flat" cmpd="sng" algn="ctr">
-            <a:solidFill>
-              <a:schemeClr val="dk1"/>
-            </a:solidFill>
-            <a:prstDash val="dash"/>
-            <a:round/>
-            <a:headEnd type="none" w="med" len="med"/>
-            <a:tailEnd type="none" w="med" len="med"/>
+          <a:solidFill>
+            <a:schemeClr val="bg1"/>
+          </a:solidFill>
+          <a:ln>
+            <a:noFill/>
           </a:ln>
         </p:spPr>
         <p:style>
-          <a:lnRef idx="0">
-            <a:scrgbClr r="0" g="0" b="0"/>
+          <a:lnRef idx="2">
+            <a:schemeClr val="accent1">
+              <a:shade val="15000"/>
+            </a:schemeClr>
           </a:lnRef>
-          <a:fillRef idx="0">
-            <a:scrgbClr r="0" g="0" b="0"/>
+          <a:fillRef idx="1">
+            <a:schemeClr val="accent1"/>
           </a:fillRef>
           <a:effectRef idx="0">
-            <a:scrgbClr r="0" g="0" b="0"/>
+            <a:schemeClr val="accent1"/>
           </a:effectRef>
           <a:fontRef idx="minor">
-            <a:schemeClr val="tx1"/>
+            <a:schemeClr val="lt1"/>
           </a:fontRef>
         </p:style>
-      </p:cxnSp>
+        <p:txBody>
+          <a:bodyPr rtlCol="0" anchor="ctr"/>
+          <a:lstStyle/>
+          <a:p>
+            <a:r>
+              <a:rPr lang="en-US" altLang="ko-KR">
+                <a:solidFill>
+                  <a:schemeClr val="tx1"/>
+                </a:solidFill>
+              </a:rPr>
+              <a:t>LPT</a:t>
+            </a:r>
+            <a:r>
+              <a:rPr lang="ko-KR" altLang="en-US">
+                <a:solidFill>
+                  <a:schemeClr val="tx1"/>
+                </a:solidFill>
+              </a:rPr>
+              <a:t>에 사용할 머신의 개수를 입력 받는다</a:t>
+            </a:r>
+            <a:r>
+              <a:rPr lang="en-US" altLang="ko-KR">
+                <a:solidFill>
+                  <a:schemeClr val="tx1"/>
+                </a:solidFill>
+              </a:rPr>
+              <a:t>.</a:t>
+            </a:r>
+          </a:p>
+          <a:p>
+            <a:endParaRPr lang="en-US" altLang="ko-KR">
+              <a:solidFill>
+                <a:schemeClr val="tx1"/>
+              </a:solidFill>
+            </a:endParaRPr>
+          </a:p>
+          <a:p>
+            <a:r>
+              <a:rPr lang="ko-KR" altLang="en-US">
+                <a:solidFill>
+                  <a:schemeClr val="tx1"/>
+                </a:solidFill>
+              </a:rPr>
+              <a:t>머신의 개수를 입력 받고 입력한 수 만큼 정수를 입력 받는다</a:t>
+            </a:r>
+            <a:r>
+              <a:rPr lang="en-US" altLang="ko-KR">
+                <a:solidFill>
+                  <a:schemeClr val="tx1"/>
+                </a:solidFill>
+              </a:rPr>
+              <a:t>.</a:t>
+            </a:r>
+          </a:p>
+          <a:p>
+            <a:endParaRPr lang="en-US" altLang="ko-KR">
+              <a:solidFill>
+                <a:schemeClr val="tx1"/>
+              </a:solidFill>
+            </a:endParaRPr>
+          </a:p>
+          <a:p>
+            <a:r>
+              <a:rPr lang="ko-KR" altLang="en-US">
+                <a:solidFill>
+                  <a:schemeClr val="tx1"/>
+                </a:solidFill>
+              </a:rPr>
+              <a:t>작업의 크기에 따라 적절한 기계에 할당하는 것을 볼 수 있다</a:t>
+            </a:r>
+            <a:r>
+              <a:rPr lang="en-US" altLang="ko-KR">
+                <a:solidFill>
+                  <a:schemeClr val="tx1"/>
+                </a:solidFill>
+              </a:rPr>
+              <a:t>.</a:t>
+            </a:r>
+            <a:endParaRPr lang="ko-KR" altLang="en-US">
+              <a:solidFill>
+                <a:schemeClr val="tx1"/>
+              </a:solidFill>
+            </a:endParaRPr>
+          </a:p>
+        </p:txBody>
+      </p:sp>
     </p:spTree>
     <p:extLst>
       <p:ext uri="{BB962C8B-B14F-4D97-AF65-F5344CB8AC3E}">
-        <p14:creationId xmlns:p14="http://schemas.microsoft.com/office/powerpoint/2010/main" val="1531262250"/>
+        <p14:creationId xmlns:p14="http://schemas.microsoft.com/office/powerpoint/2010/main" val="22599369"/>
       </p:ext>
     </p:extLst>
   </p:cSld>
@@ -4258,7 +4224,7 @@
           <a:lstStyle/>
           <a:p>
             <a:r>
-              <a:rPr lang="en-US" altLang="ko-KR" sz="2000">
+              <a:rPr lang="ko-KR" altLang="en-US" sz="2000">
                 <a:solidFill>
                   <a:schemeClr val="tx2">
                     <a:lumMod val="75000"/>
@@ -4266,16 +4232,8 @@
                   </a:schemeClr>
                 </a:solidFill>
               </a:rPr>
-              <a:t>floyd.c</a:t>
-            </a:r>
-            <a:endParaRPr lang="ko-KR" altLang="en-US" sz="2000">
-              <a:solidFill>
-                <a:schemeClr val="tx2">
-                  <a:lumMod val="75000"/>
-                  <a:lumOff val="25000"/>
-                </a:schemeClr>
-              </a:solidFill>
-            </a:endParaRPr>
+              <a:t>의미 있는 프로그램</a:t>
+            </a:r>
           </a:p>
         </p:txBody>
       </p:sp>
@@ -4330,7 +4288,7 @@
           <p:cNvPr id="4" name="그림 3">
             <a:extLst>
               <a:ext uri="{FF2B5EF4-FFF2-40B4-BE49-F238E27FC236}">
-                <a16:creationId xmlns:a16="http://schemas.microsoft.com/office/drawing/2014/main" id="{75CADCED-0AA6-F246-36F6-DC1D97E740F0}"/>
+                <a16:creationId xmlns:a16="http://schemas.microsoft.com/office/drawing/2014/main" id="{98D94678-06A8-7A2E-D995-59D9973D8228}"/>
               </a:ext>
             </a:extLst>
           </p:cNvPr>
@@ -4339,15 +4297,16 @@
           </p:cNvPicPr>
           <p:nvPr/>
         </p:nvPicPr>
-        <p:blipFill rotWithShape="1">
+        <p:blipFill>
           <a:blip r:embed="rId3"/>
-          <a:srcRect r="7215"/>
-          <a:stretch/>
+          <a:stretch>
+            <a:fillRect/>
+          </a:stretch>
         </p:blipFill>
         <p:spPr>
           <a:xfrm>
-            <a:off x="119274" y="838705"/>
-            <a:ext cx="5256755" cy="4673837"/>
+            <a:off x="222800" y="172575"/>
+            <a:ext cx="4517472" cy="3997225"/>
           </a:xfrm>
           <a:prstGeom prst="rect">
             <a:avLst/>
@@ -4359,7 +4318,7 @@
           <p:cNvPr id="8" name="그림 7">
             <a:extLst>
               <a:ext uri="{FF2B5EF4-FFF2-40B4-BE49-F238E27FC236}">
-                <a16:creationId xmlns:a16="http://schemas.microsoft.com/office/drawing/2014/main" id="{601AEFCA-6822-8570-93B5-D6C44EB6A89B}"/>
+                <a16:creationId xmlns:a16="http://schemas.microsoft.com/office/drawing/2014/main" id="{0C861C2E-3152-4B67-3D17-73A6A18B7BBC}"/>
               </a:ext>
             </a:extLst>
           </p:cNvPr>
@@ -4368,15 +4327,16 @@
           </p:cNvPicPr>
           <p:nvPr/>
         </p:nvPicPr>
-        <p:blipFill rotWithShape="1">
+        <p:blipFill>
           <a:blip r:embed="rId4"/>
-          <a:srcRect t="18061"/>
-          <a:stretch/>
+          <a:stretch>
+            <a:fillRect/>
+          </a:stretch>
         </p:blipFill>
         <p:spPr>
           <a:xfrm>
-            <a:off x="5546194" y="1016905"/>
-            <a:ext cx="6501132" cy="3062237"/>
+            <a:off x="222800" y="4169800"/>
+            <a:ext cx="5601319" cy="2124339"/>
           </a:xfrm>
           <a:prstGeom prst="rect">
             <a:avLst/>
@@ -4388,7 +4348,7 @@
           <p:cNvPr id="10" name="그림 9">
             <a:extLst>
               <a:ext uri="{FF2B5EF4-FFF2-40B4-BE49-F238E27FC236}">
-                <a16:creationId xmlns:a16="http://schemas.microsoft.com/office/drawing/2014/main" id="{5D342093-AE18-036D-54F1-3860EAB0B3A4}"/>
+                <a16:creationId xmlns:a16="http://schemas.microsoft.com/office/drawing/2014/main" id="{E5074575-2B14-EEE2-42BF-E49776D4C294}"/>
               </a:ext>
             </a:extLst>
           </p:cNvPr>
@@ -4405,77 +4365,83 @@
         </p:blipFill>
         <p:spPr>
           <a:xfrm>
-            <a:off x="5545938" y="4079142"/>
-            <a:ext cx="4407547" cy="2488427"/>
+            <a:off x="5643758" y="213974"/>
+            <a:ext cx="6247183" cy="3835402"/>
           </a:xfrm>
           <a:prstGeom prst="rect">
             <a:avLst/>
           </a:prstGeom>
         </p:spPr>
       </p:pic>
-      <p:pic>
-        <p:nvPicPr>
-          <p:cNvPr id="11" name="그림 10">
-            <a:extLst>
-              <a:ext uri="{FF2B5EF4-FFF2-40B4-BE49-F238E27FC236}">
-                <a16:creationId xmlns:a16="http://schemas.microsoft.com/office/drawing/2014/main" id="{E0B996AE-81C8-FD5A-8D91-DFF8224A3ECA}"/>
-              </a:ext>
-            </a:extLst>
-          </p:cNvPr>
-          <p:cNvPicPr>
-            <a:picLocks noChangeAspect="1"/>
-          </p:cNvPicPr>
-          <p:nvPr/>
-        </p:nvPicPr>
-        <p:blipFill rotWithShape="1">
-          <a:blip r:embed="rId4"/>
-          <a:srcRect t="726" r="19036" b="80010"/>
-          <a:stretch/>
-        </p:blipFill>
-        <p:spPr>
-          <a:xfrm>
-            <a:off x="119274" y="5512542"/>
-            <a:ext cx="5263589" cy="719945"/>
+      <p:sp>
+        <p:nvSpPr>
+          <p:cNvPr id="11" name="TextBox 10">
+            <a:extLst>
+              <a:ext uri="{FF2B5EF4-FFF2-40B4-BE49-F238E27FC236}">
+                <a16:creationId xmlns:a16="http://schemas.microsoft.com/office/drawing/2014/main" id="{AA6B7190-F7C3-7C35-1702-647DC232ADCA}"/>
+              </a:ext>
+            </a:extLst>
+          </p:cNvPr>
+          <p:cNvSpPr txBox="1"/>
+          <p:nvPr/>
+        </p:nvSpPr>
+        <p:spPr>
+          <a:xfrm>
+            <a:off x="6096000" y="4282441"/>
+            <a:ext cx="5873200" cy="1200329"/>
           </a:xfrm>
           <a:prstGeom prst="rect">
             <a:avLst/>
           </a:prstGeom>
-        </p:spPr>
-      </p:pic>
-      <p:pic>
-        <p:nvPicPr>
-          <p:cNvPr id="14" name="그림 13">
-            <a:extLst>
-              <a:ext uri="{FF2B5EF4-FFF2-40B4-BE49-F238E27FC236}">
-                <a16:creationId xmlns:a16="http://schemas.microsoft.com/office/drawing/2014/main" id="{CC26B46D-E200-F860-749B-75D8D6532E32}"/>
-              </a:ext>
-            </a:extLst>
-          </p:cNvPr>
-          <p:cNvPicPr>
-            <a:picLocks noChangeAspect="1"/>
-          </p:cNvPicPr>
-          <p:nvPr/>
-        </p:nvPicPr>
-        <p:blipFill>
-          <a:blip r:embed="rId6"/>
-          <a:stretch>
-            <a:fillRect/>
-          </a:stretch>
-        </p:blipFill>
-        <p:spPr>
-          <a:xfrm>
-            <a:off x="9747104" y="4024039"/>
-            <a:ext cx="2300222" cy="2543530"/>
-          </a:xfrm>
-          <a:prstGeom prst="rect">
-            <a:avLst/>
-          </a:prstGeom>
-        </p:spPr>
-      </p:pic>
+          <a:noFill/>
+        </p:spPr>
+        <p:txBody>
+          <a:bodyPr wrap="square" rtlCol="0">
+            <a:spAutoFit/>
+          </a:bodyPr>
+          <a:lstStyle/>
+          <a:p>
+            <a:r>
+              <a:rPr lang="ko-KR" altLang="en-US"/>
+              <a:t>최소 힙</a:t>
+            </a:r>
+            <a:r>
+              <a:rPr lang="en-US" altLang="ko-KR"/>
+              <a:t>(heap)</a:t>
+            </a:r>
+            <a:r>
+              <a:rPr lang="ko-KR" altLang="en-US"/>
+              <a:t> 자료구조를 이용한 </a:t>
+            </a:r>
+            <a:r>
+              <a:rPr lang="en-US" altLang="ko-KR"/>
+              <a:t>LPT </a:t>
+            </a:r>
+            <a:r>
+              <a:rPr lang="ko-KR" altLang="en-US"/>
+              <a:t>알고리즘</a:t>
+            </a:r>
+            <a:r>
+              <a:rPr lang="en-US" altLang="ko-KR"/>
+              <a:t>.</a:t>
+            </a:r>
+          </a:p>
+          <a:p>
+            <a:endParaRPr lang="en-US" altLang="ko-KR"/>
+          </a:p>
+          <a:p>
+            <a:r>
+              <a:rPr lang="ko-KR" altLang="en-US"/>
+              <a:t>부모 노드가 자식 노드보다 작거나 같은 값을 갖는 완전 이진 트리 형태의 이진 트리</a:t>
+            </a:r>
+            <a:endParaRPr lang="en-US" altLang="ko-KR"/>
+          </a:p>
+        </p:txBody>
+      </p:sp>
     </p:spTree>
     <p:extLst>
       <p:ext uri="{BB962C8B-B14F-4D97-AF65-F5344CB8AC3E}">
-        <p14:creationId xmlns:p14="http://schemas.microsoft.com/office/powerpoint/2010/main" val="22599369"/>
+        <p14:creationId xmlns:p14="http://schemas.microsoft.com/office/powerpoint/2010/main" val="3442120362"/>
       </p:ext>
     </p:extLst>
   </p:cSld>
@@ -4486,6 +4452,339 @@
 </file>
 
 <file path=ppt/slides/slide12.xml><?xml version="1.0" encoding="utf-8"?>
+<p:sld xmlns:a="http://schemas.openxmlformats.org/drawingml/2006/main" xmlns:r="http://schemas.openxmlformats.org/officeDocument/2006/relationships" xmlns:p="http://schemas.openxmlformats.org/presentationml/2006/main">
+  <p:cSld>
+    <p:spTree>
+      <p:nvGrpSpPr>
+        <p:cNvPr id="1" name=""/>
+        <p:cNvGrpSpPr/>
+        <p:nvPr/>
+      </p:nvGrpSpPr>
+      <p:grpSpPr>
+        <a:xfrm>
+          <a:off x="0" y="0"/>
+          <a:ext cx="0" cy="0"/>
+          <a:chOff x="0" y="0"/>
+          <a:chExt cx="0" cy="0"/>
+        </a:xfrm>
+      </p:grpSpPr>
+      <p:pic>
+        <p:nvPicPr>
+          <p:cNvPr id="1030" name="Picture 6">
+            <a:extLst>
+              <a:ext uri="{FF2B5EF4-FFF2-40B4-BE49-F238E27FC236}">
+                <a16:creationId xmlns:a16="http://schemas.microsoft.com/office/drawing/2014/main" id="{414F068D-B6DC-C482-3E93-242F80B7AF33}"/>
+              </a:ext>
+            </a:extLst>
+          </p:cNvPr>
+          <p:cNvPicPr>
+            <a:picLocks noChangeAspect="1" noChangeArrowheads="1"/>
+          </p:cNvPicPr>
+          <p:nvPr/>
+        </p:nvPicPr>
+        <p:blipFill>
+          <a:blip r:embed="rId2">
+            <a:extLst>
+              <a:ext uri="{28A0092B-C50C-407E-A947-70E740481C1C}">
+                <a14:useLocalDpi xmlns:a14="http://schemas.microsoft.com/office/drawing/2010/main" val="0"/>
+              </a:ext>
+            </a:extLst>
+          </a:blip>
+          <a:srcRect/>
+          <a:stretch>
+            <a:fillRect/>
+          </a:stretch>
+        </p:blipFill>
+        <p:spPr bwMode="auto">
+          <a:xfrm>
+            <a:off x="0" y="0"/>
+            <a:ext cx="2454745" cy="810066"/>
+          </a:xfrm>
+          <a:prstGeom prst="rect">
+            <a:avLst/>
+          </a:prstGeom>
+          <a:noFill/>
+          <a:extLst>
+            <a:ext uri="{909E8E84-426E-40DD-AFC4-6F175D3DCCD1}">
+              <a14:hiddenFill xmlns:a14="http://schemas.microsoft.com/office/drawing/2010/main">
+                <a:solidFill>
+                  <a:srgbClr val="FFFFFF"/>
+                </a:solidFill>
+              </a14:hiddenFill>
+            </a:ext>
+          </a:extLst>
+        </p:spPr>
+      </p:pic>
+      <p:cxnSp>
+        <p:nvCxnSpPr>
+          <p:cNvPr id="5" name="직선 연결선 4">
+            <a:extLst>
+              <a:ext uri="{FF2B5EF4-FFF2-40B4-BE49-F238E27FC236}">
+                <a16:creationId xmlns:a16="http://schemas.microsoft.com/office/drawing/2014/main" id="{3AD05DBD-FED7-649E-C56D-DC29A96957DE}"/>
+              </a:ext>
+            </a:extLst>
+          </p:cNvPr>
+          <p:cNvCxnSpPr>
+            <a:cxnSpLocks/>
+          </p:cNvCxnSpPr>
+          <p:nvPr/>
+        </p:nvCxnSpPr>
+        <p:spPr>
+          <a:xfrm>
+            <a:off x="244549" y="693108"/>
+            <a:ext cx="11273547" cy="0"/>
+          </a:xfrm>
+          <a:prstGeom prst="line">
+            <a:avLst/>
+          </a:prstGeom>
+          <a:ln>
+            <a:solidFill>
+              <a:schemeClr val="tx2">
+                <a:lumMod val="75000"/>
+                <a:lumOff val="25000"/>
+              </a:schemeClr>
+            </a:solidFill>
+          </a:ln>
+        </p:spPr>
+        <p:style>
+          <a:lnRef idx="2">
+            <a:schemeClr val="accent1"/>
+          </a:lnRef>
+          <a:fillRef idx="0">
+            <a:schemeClr val="accent1"/>
+          </a:fillRef>
+          <a:effectRef idx="1">
+            <a:schemeClr val="accent1"/>
+          </a:effectRef>
+          <a:fontRef idx="minor">
+            <a:schemeClr val="tx1"/>
+          </a:fontRef>
+        </p:style>
+      </p:cxnSp>
+      <p:sp>
+        <p:nvSpPr>
+          <p:cNvPr id="2" name="TextBox 1">
+            <a:extLst>
+              <a:ext uri="{FF2B5EF4-FFF2-40B4-BE49-F238E27FC236}">
+                <a16:creationId xmlns:a16="http://schemas.microsoft.com/office/drawing/2014/main" id="{DB5786AE-887E-716B-C574-D341510FB4E8}"/>
+              </a:ext>
+            </a:extLst>
+          </p:cNvPr>
+          <p:cNvSpPr txBox="1"/>
+          <p:nvPr/>
+        </p:nvSpPr>
+        <p:spPr>
+          <a:xfrm>
+            <a:off x="2536025" y="172575"/>
+            <a:ext cx="3944679" cy="400110"/>
+          </a:xfrm>
+          <a:prstGeom prst="rect">
+            <a:avLst/>
+          </a:prstGeom>
+          <a:noFill/>
+        </p:spPr>
+        <p:txBody>
+          <a:bodyPr wrap="square" rtlCol="0">
+            <a:spAutoFit/>
+          </a:bodyPr>
+          <a:lstStyle/>
+          <a:p>
+            <a:r>
+              <a:rPr lang="ko-KR" altLang="en-US" sz="2000">
+                <a:solidFill>
+                  <a:schemeClr val="tx2">
+                    <a:lumMod val="75000"/>
+                    <a:lumOff val="25000"/>
+                  </a:schemeClr>
+                </a:solidFill>
+              </a:rPr>
+              <a:t>의미 있는 프로그램</a:t>
+            </a:r>
+          </a:p>
+        </p:txBody>
+      </p:sp>
+      <p:cxnSp>
+        <p:nvCxnSpPr>
+          <p:cNvPr id="6" name="직선 연결선 5">
+            <a:extLst>
+              <a:ext uri="{FF2B5EF4-FFF2-40B4-BE49-F238E27FC236}">
+                <a16:creationId xmlns:a16="http://schemas.microsoft.com/office/drawing/2014/main" id="{BCF47C10-CF4B-4C30-A989-27ADC648523E}"/>
+              </a:ext>
+            </a:extLst>
+          </p:cNvPr>
+          <p:cNvCxnSpPr>
+            <a:cxnSpLocks/>
+          </p:cNvCxnSpPr>
+          <p:nvPr/>
+        </p:nvCxnSpPr>
+        <p:spPr>
+          <a:xfrm>
+            <a:off x="2367989" y="172575"/>
+            <a:ext cx="0" cy="424637"/>
+          </a:xfrm>
+          <a:prstGeom prst="line">
+            <a:avLst/>
+          </a:prstGeom>
+          <a:ln>
+            <a:solidFill>
+              <a:schemeClr val="tx2">
+                <a:lumMod val="75000"/>
+                <a:lumOff val="25000"/>
+              </a:schemeClr>
+            </a:solidFill>
+          </a:ln>
+        </p:spPr>
+        <p:style>
+          <a:lnRef idx="2">
+            <a:schemeClr val="accent1"/>
+          </a:lnRef>
+          <a:fillRef idx="0">
+            <a:schemeClr val="accent1"/>
+          </a:fillRef>
+          <a:effectRef idx="1">
+            <a:schemeClr val="accent1"/>
+          </a:effectRef>
+          <a:fontRef idx="minor">
+            <a:schemeClr val="tx1"/>
+          </a:fontRef>
+        </p:style>
+      </p:cxnSp>
+      <p:pic>
+        <p:nvPicPr>
+          <p:cNvPr id="7" name="그림 6">
+            <a:extLst>
+              <a:ext uri="{FF2B5EF4-FFF2-40B4-BE49-F238E27FC236}">
+                <a16:creationId xmlns:a16="http://schemas.microsoft.com/office/drawing/2014/main" id="{2D82D21C-AA20-C71A-4D9F-1C1105A1D01C}"/>
+              </a:ext>
+            </a:extLst>
+          </p:cNvPr>
+          <p:cNvPicPr>
+            <a:picLocks noChangeAspect="1"/>
+          </p:cNvPicPr>
+          <p:nvPr/>
+        </p:nvPicPr>
+        <p:blipFill>
+          <a:blip r:embed="rId3"/>
+          <a:stretch>
+            <a:fillRect/>
+          </a:stretch>
+        </p:blipFill>
+        <p:spPr>
+          <a:xfrm>
+            <a:off x="244549" y="197924"/>
+            <a:ext cx="8197766" cy="3718744"/>
+          </a:xfrm>
+          <a:prstGeom prst="rect">
+            <a:avLst/>
+          </a:prstGeom>
+        </p:spPr>
+      </p:pic>
+      <p:pic>
+        <p:nvPicPr>
+          <p:cNvPr id="11" name="그림 10">
+            <a:extLst>
+              <a:ext uri="{FF2B5EF4-FFF2-40B4-BE49-F238E27FC236}">
+                <a16:creationId xmlns:a16="http://schemas.microsoft.com/office/drawing/2014/main" id="{2E811110-5334-5C2C-5728-080E06BDE5A9}"/>
+              </a:ext>
+            </a:extLst>
+          </p:cNvPr>
+          <p:cNvPicPr>
+            <a:picLocks noChangeAspect="1"/>
+          </p:cNvPicPr>
+          <p:nvPr/>
+        </p:nvPicPr>
+        <p:blipFill>
+          <a:blip r:embed="rId4"/>
+          <a:stretch>
+            <a:fillRect/>
+          </a:stretch>
+        </p:blipFill>
+        <p:spPr>
+          <a:xfrm>
+            <a:off x="244549" y="3809596"/>
+            <a:ext cx="6495407" cy="2875829"/>
+          </a:xfrm>
+          <a:prstGeom prst="rect">
+            <a:avLst/>
+          </a:prstGeom>
+        </p:spPr>
+      </p:pic>
+      <p:sp>
+        <p:nvSpPr>
+          <p:cNvPr id="12" name="TextBox 11">
+            <a:extLst>
+              <a:ext uri="{FF2B5EF4-FFF2-40B4-BE49-F238E27FC236}">
+                <a16:creationId xmlns:a16="http://schemas.microsoft.com/office/drawing/2014/main" id="{F024C9DE-99B5-67A5-43E4-BEACA16B5B0E}"/>
+              </a:ext>
+            </a:extLst>
+          </p:cNvPr>
+          <p:cNvSpPr txBox="1"/>
+          <p:nvPr/>
+        </p:nvSpPr>
+        <p:spPr>
+          <a:xfrm>
+            <a:off x="6813386" y="4037091"/>
+            <a:ext cx="5134065" cy="646331"/>
+          </a:xfrm>
+          <a:prstGeom prst="rect">
+            <a:avLst/>
+          </a:prstGeom>
+          <a:noFill/>
+        </p:spPr>
+        <p:txBody>
+          <a:bodyPr wrap="square" rtlCol="0">
+            <a:spAutoFit/>
+          </a:bodyPr>
+          <a:lstStyle/>
+          <a:p>
+            <a:r>
+              <a:rPr lang="ko-KR" altLang="en-US"/>
+              <a:t>사용자에게 머신의 개수</a:t>
+            </a:r>
+            <a:r>
+              <a:rPr lang="en-US" altLang="ko-KR"/>
+              <a:t>, </a:t>
+            </a:r>
+            <a:r>
+              <a:rPr lang="ko-KR" altLang="en-US"/>
+              <a:t>작업의 개수</a:t>
+            </a:r>
+            <a:r>
+              <a:rPr lang="en-US" altLang="ko-KR"/>
+              <a:t>, </a:t>
+            </a:r>
+            <a:r>
+              <a:rPr lang="ko-KR" altLang="en-US"/>
+              <a:t>작업들을</a:t>
+            </a:r>
+            <a:endParaRPr lang="en-US" altLang="ko-KR"/>
+          </a:p>
+          <a:p>
+            <a:r>
+              <a:rPr lang="ko-KR" altLang="en-US"/>
+              <a:t>입력 받는다</a:t>
+            </a:r>
+            <a:r>
+              <a:rPr lang="en-US" altLang="ko-KR"/>
+              <a:t>.</a:t>
+            </a:r>
+          </a:p>
+        </p:txBody>
+      </p:sp>
+    </p:spTree>
+    <p:extLst>
+      <p:ext uri="{BB962C8B-B14F-4D97-AF65-F5344CB8AC3E}">
+        <p14:creationId xmlns:p14="http://schemas.microsoft.com/office/powerpoint/2010/main" val="3430288354"/>
+      </p:ext>
+    </p:extLst>
+  </p:cSld>
+  <p:clrMapOvr>
+    <a:masterClrMapping/>
+  </p:clrMapOvr>
+</p:sld>
+</file>
+
+<file path=ppt/slides/slide13.xml><?xml version="1.0" encoding="utf-8"?>
 <p:sld xmlns:a="http://schemas.openxmlformats.org/drawingml/2006/main" xmlns:r="http://schemas.openxmlformats.org/officeDocument/2006/relationships" xmlns:p="http://schemas.openxmlformats.org/presentationml/2006/main">
   <p:cSld>
     <p:spTree>
@@ -4907,8 +5206,8 @@
         </p:blipFill>
         <p:spPr>
           <a:xfrm>
-            <a:off x="439045" y="1031113"/>
-            <a:ext cx="8328668" cy="4404486"/>
+            <a:off x="439044" y="1031112"/>
+            <a:ext cx="10345930" cy="5471284"/>
           </a:xfrm>
           <a:prstGeom prst="rect">
             <a:avLst/>
@@ -5954,7 +6253,7 @@
         <p:spPr>
           <a:xfrm>
             <a:off x="8049083" y="1294777"/>
-            <a:ext cx="3891280" cy="2308324"/>
+            <a:ext cx="3891280" cy="3139321"/>
           </a:xfrm>
           <a:prstGeom prst="rect">
             <a:avLst/>
@@ -6017,6 +6316,26 @@
               <a:t>계정을 생성하는 절차가 있었다</a:t>
             </a:r>
             <a:endParaRPr lang="en-US" altLang="ko-KR"/>
+          </a:p>
+          <a:p>
+            <a:endParaRPr lang="en-US" altLang="ko-KR"/>
+          </a:p>
+          <a:p>
+            <a:r>
+              <a:rPr lang="ko-KR" altLang="en-US"/>
+              <a:t>또한 생성한 계정이 로그인 되어 </a:t>
+            </a:r>
+            <a:br>
+              <a:rPr lang="en-US" altLang="ko-KR"/>
+            </a:br>
+            <a:r>
+              <a:rPr lang="ko-KR" altLang="en-US"/>
+              <a:t>있는 것을 볼 수 있다</a:t>
+            </a:r>
+            <a:r>
+              <a:rPr lang="en-US" altLang="ko-KR"/>
+              <a:t>.</a:t>
+            </a:r>
           </a:p>
         </p:txBody>
       </p:sp>
